--- a/inflearn01/doc/심화_파일업로드기능을구현합니다.pptx
+++ b/inflearn01/doc/심화_파일업로드기능을구현합니다.pptx
@@ -5,19 +5,23 @@
     <p:sldMasterId id="2147483648" r:id="rId1"/>
   </p:sldMasterIdLst>
   <p:notesMasterIdLst>
-    <p:notesMasterId r:id="rId9"/>
+    <p:notesMasterId r:id="rId13"/>
   </p:notesMasterIdLst>
   <p:handoutMasterIdLst>
-    <p:handoutMasterId r:id="rId10"/>
+    <p:handoutMasterId r:id="rId14"/>
   </p:handoutMasterIdLst>
   <p:sldIdLst>
     <p:sldId id="292" r:id="rId2"/>
-    <p:sldId id="300" r:id="rId3"/>
-    <p:sldId id="301" r:id="rId4"/>
-    <p:sldId id="302" r:id="rId5"/>
+    <p:sldId id="310" r:id="rId3"/>
+    <p:sldId id="309" r:id="rId4"/>
+    <p:sldId id="301" r:id="rId5"/>
     <p:sldId id="303" r:id="rId6"/>
-    <p:sldId id="306" r:id="rId7"/>
-    <p:sldId id="308" r:id="rId8"/>
+    <p:sldId id="316" r:id="rId7"/>
+    <p:sldId id="318" r:id="rId8"/>
+    <p:sldId id="319" r:id="rId9"/>
+    <p:sldId id="315" r:id="rId10"/>
+    <p:sldId id="320" r:id="rId11"/>
+    <p:sldId id="321" r:id="rId12"/>
   </p:sldIdLst>
   <p:sldSz cx="12192000" cy="6858000"/>
   <p:notesSz cx="6858000" cy="9144000"/>
@@ -228,7 +232,7 @@
                 <a:latin typeface="맑은 고딕" panose="020B0503020000020004" pitchFamily="50" charset="-127"/>
                 <a:ea typeface="맑은 고딕" panose="020B0503020000020004" pitchFamily="50" charset="-127"/>
               </a:rPr>
-              <a:t>2021년 6월 9일</a:t>
+              <a:t>2021년 6월 24일</a:t>
             </a:fld>
             <a:endParaRPr lang="ko-KR" altLang="en-US">
               <a:latin typeface="맑은 고딕" panose="020B0503020000020004" pitchFamily="50" charset="-127"/>
@@ -414,7 +418,7 @@
             <a:fld id="{BE16EC8A-0758-4FA9-BF4D-3119057076D1}" type="datetime4">
               <a:rPr lang="ko-KR" altLang="en-US" smtClean="0"/>
               <a:pPr/>
-              <a:t>2021년 6월 9일</a:t>
+              <a:t>2021년 6월 24일</a:t>
             </a:fld>
             <a:endParaRPr lang="ko-KR" altLang="en-US"/>
           </a:p>
@@ -2896,7 +2900,7 @@
           <a:p>
             <a:fld id="{2A5B65E4-62A8-4988-B07B-5D6D443B14ED}" type="datetime4">
               <a:rPr lang="ko-KR" altLang="en-US" smtClean="0"/>
-              <a:t>2021년 6월 9일</a:t>
+              <a:t>2021년 6월 24일</a:t>
             </a:fld>
             <a:endParaRPr lang="ko-KR" altLang="en-US"/>
           </a:p>
@@ -3152,7 +3156,7 @@
           <a:p>
             <a:fld id="{58EB6286-0DE7-4336-9826-977AD102FCF2}" type="datetime4">
               <a:rPr lang="ko-KR" altLang="en-US" noProof="0" smtClean="0"/>
-              <a:t>2021년 6월 9일</a:t>
+              <a:t>2021년 6월 24일</a:t>
             </a:fld>
             <a:endParaRPr lang="ko-KR" altLang="en-US" noProof="0"/>
           </a:p>
@@ -3348,7 +3352,7 @@
             <a:pPr rtl="0"/>
             <a:fld id="{6A5419DA-7218-42E5-A443-F000500111E1}" type="datetime4">
               <a:rPr lang="ko-KR" altLang="en-US" noProof="0" smtClean="0"/>
-              <a:t>2021년 6월 9일</a:t>
+              <a:t>2021년 6월 24일</a:t>
             </a:fld>
             <a:endParaRPr lang="ko-KR" altLang="en-US" noProof="0"/>
           </a:p>
@@ -5749,7 +5753,7 @@
           <a:p>
             <a:fld id="{E498C52F-1DF1-4226-BAB6-C1E2EE4C9D62}" type="datetime4">
               <a:rPr lang="ko-KR" altLang="en-US" noProof="0" smtClean="0"/>
-              <a:t>2021년 6월 9일</a:t>
+              <a:t>2021년 6월 24일</a:t>
             </a:fld>
             <a:endParaRPr lang="ko-KR" altLang="en-US" noProof="0"/>
           </a:p>
@@ -6268,7 +6272,7 @@
           <a:p>
             <a:fld id="{7B1E1FFC-F755-4558-8D3C-A157D1A01A8A}" type="datetime4">
               <a:rPr lang="ko-KR" altLang="en-US" noProof="0" smtClean="0"/>
-              <a:t>2021년 6월 9일</a:t>
+              <a:t>2021년 6월 24일</a:t>
             </a:fld>
             <a:endParaRPr lang="ko-KR" altLang="en-US" noProof="0"/>
           </a:p>
@@ -6412,7 +6416,7 @@
             <a:pPr rtl="0"/>
             <a:fld id="{DA2A33C0-A4A8-4C90-B6DA-35B8CF58C816}" type="datetime4">
               <a:rPr lang="ko-KR" altLang="en-US" noProof="0" smtClean="0"/>
-              <a:t>2021년 6월 9일</a:t>
+              <a:t>2021년 6월 24일</a:t>
             </a:fld>
             <a:endParaRPr lang="ko-KR" altLang="en-US" noProof="0"/>
           </a:p>
@@ -8360,7 +8364,7 @@
           <a:p>
             <a:fld id="{53CB1B8F-A14A-4BE4-A9B9-3B263F04145C}" type="datetime4">
               <a:rPr lang="ko-KR" altLang="en-US" noProof="0" smtClean="0"/>
-              <a:t>2021년 6월 9일</a:t>
+              <a:t>2021년 6월 24일</a:t>
             </a:fld>
             <a:endParaRPr lang="ko-KR" altLang="en-US" noProof="0"/>
           </a:p>
@@ -10657,7 +10661,7 @@
           <a:p>
             <a:fld id="{5B9196A3-957C-4113-A568-B6ED9AEA3D01}" type="datetime4">
               <a:rPr lang="ko-KR" altLang="en-US" noProof="0" smtClean="0"/>
-              <a:t>2021년 6월 9일</a:t>
+              <a:t>2021년 6월 24일</a:t>
             </a:fld>
             <a:endParaRPr lang="ko-KR" altLang="en-US" noProof="0"/>
           </a:p>
@@ -14974,7 +14978,7 @@
           <a:p>
             <a:fld id="{28BEB146-D335-4DA5-9826-58595BCDBE2E}" type="datetime4">
               <a:rPr lang="ko-KR" altLang="en-US" noProof="0" smtClean="0"/>
-              <a:t>2021년 6월 9일</a:t>
+              <a:t>2021년 6월 24일</a:t>
             </a:fld>
             <a:endParaRPr lang="ko-KR" altLang="en-US" noProof="0"/>
           </a:p>
@@ -15454,7 +15458,7 @@
           <a:p>
             <a:r>
               <a:rPr lang="ko-KR" altLang="en-US"/>
-              <a:t>파일업로드 기능을 구현합니다</a:t>
+              <a:t>첨부파일관리 기능을 구현합니다</a:t>
             </a:r>
             <a:r>
               <a:rPr lang="en-US" altLang="ko-KR"/>
@@ -15482,41 +15486,304 @@
         </p:nvSpPr>
         <p:spPr/>
         <p:txBody>
+          <a:bodyPr>
+            <a:normAutofit fontScale="92500" lnSpcReduction="20000"/>
+          </a:bodyPr>
+          <a:lstStyle/>
+          <a:p>
+            <a:r>
+              <a:rPr lang="ko-KR" altLang="en-US"/>
+              <a:t>서버</a:t>
+            </a:r>
+            <a:r>
+              <a:rPr lang="en-US" altLang="ko-KR"/>
+              <a:t>/</a:t>
+            </a:r>
+            <a:r>
+              <a:rPr lang="ko-KR" altLang="en-US"/>
+              <a:t>클라이언트 아키텍처 스타일 </a:t>
+            </a:r>
+            <a:endParaRPr lang="en-US" altLang="ko-KR"/>
+          </a:p>
+          <a:p>
+            <a:pPr lvl="1"/>
+            <a:r>
+              <a:rPr lang="ko-KR" altLang="en-US"/>
+              <a:t>데이터의 집중</a:t>
+            </a:r>
+            <a:endParaRPr lang="en-US" altLang="ko-KR"/>
+          </a:p>
+          <a:p>
+            <a:r>
+              <a:rPr lang="ko-KR" altLang="en-US"/>
+              <a:t>서버의 역할</a:t>
+            </a:r>
+            <a:endParaRPr lang="en-US" altLang="ko-KR"/>
+          </a:p>
+          <a:p>
+            <a:pPr lvl="1"/>
+            <a:r>
+              <a:rPr lang="ko-KR" altLang="en-US"/>
+              <a:t>데이터 관리</a:t>
+            </a:r>
+            <a:endParaRPr lang="en-US" altLang="ko-KR"/>
+          </a:p>
+          <a:p>
+            <a:pPr lvl="2"/>
+            <a:r>
+              <a:rPr lang="ko-KR" altLang="en-US"/>
+              <a:t>집중된 데이터를 잘 보관</a:t>
+            </a:r>
+            <a:endParaRPr lang="en-US" altLang="ko-KR"/>
+          </a:p>
+          <a:p>
+            <a:pPr lvl="1"/>
+            <a:r>
+              <a:rPr lang="ko-KR" altLang="en-US"/>
+              <a:t>가용성 유지</a:t>
+            </a:r>
+            <a:endParaRPr lang="en-US" altLang="ko-KR"/>
+          </a:p>
+          <a:p>
+            <a:pPr lvl="2"/>
+            <a:r>
+              <a:rPr lang="ko-KR" altLang="en-US"/>
+              <a:t>클라이언트의 요구에 한정된 자원을 분배 데이터를 제공</a:t>
+            </a:r>
+            <a:endParaRPr lang="en-US" altLang="ko-KR"/>
+          </a:p>
+          <a:p>
+            <a:r>
+              <a:rPr lang="ko-KR" altLang="en-US"/>
+              <a:t>첨부파일관리 기능</a:t>
+            </a:r>
+            <a:endParaRPr lang="en-US" altLang="ko-KR"/>
+          </a:p>
+          <a:p>
+            <a:pPr lvl="1"/>
+            <a:r>
+              <a:rPr lang="ko-KR" altLang="en-US"/>
+              <a:t>사용자의 파일을 백엔드 서버에 집중</a:t>
+            </a:r>
+            <a:endParaRPr lang="en-US" altLang="ko-KR"/>
+          </a:p>
+          <a:p>
+            <a:pPr lvl="2"/>
+            <a:r>
+              <a:rPr lang="ko-KR" altLang="en-US"/>
+              <a:t>파일업로드 기능 </a:t>
+            </a:r>
+            <a:r>
+              <a:rPr lang="en-US" altLang="ko-KR"/>
+              <a:t>(</a:t>
+            </a:r>
+            <a:r>
+              <a:rPr lang="ko-KR" altLang="en-US">
+                <a:solidFill>
+                  <a:srgbClr val="FF0000"/>
+                </a:solidFill>
+              </a:rPr>
+              <a:t>업로드만</a:t>
+            </a:r>
+            <a:r>
+              <a:rPr lang="en-US" altLang="ko-KR"/>
+              <a:t>)</a:t>
+            </a:r>
+          </a:p>
+          <a:p>
+            <a:pPr lvl="2"/>
+            <a:r>
+              <a:rPr lang="ko-KR" altLang="en-US"/>
+              <a:t>서블릿은 첨부파일관리 기능을 일부만 제공</a:t>
+            </a:r>
+            <a:endParaRPr lang="en-US" altLang="ko-KR"/>
+          </a:p>
+          <a:p>
+            <a:pPr lvl="2"/>
+            <a:endParaRPr lang="en-US" altLang="ko-KR" dirty="0"/>
+          </a:p>
+        </p:txBody>
+      </p:sp>
+    </p:spTree>
+    <p:extLst>
+      <p:ext uri="{BB962C8B-B14F-4D97-AF65-F5344CB8AC3E}">
+        <p14:creationId xmlns:p14="http://schemas.microsoft.com/office/powerpoint/2010/main" val="2983092278"/>
+      </p:ext>
+    </p:extLst>
+  </p:cSld>
+  <p:clrMapOvr>
+    <a:masterClrMapping/>
+  </p:clrMapOvr>
+  <mc:AlternateContent xmlns:mc="http://schemas.openxmlformats.org/markup-compatibility/2006" xmlns:p14="http://schemas.microsoft.com/office/powerpoint/2010/main">
+    <mc:Choice Requires="p14">
+      <p:transition spd="med" p14:dur="700">
+        <p:fade/>
+      </p:transition>
+    </mc:Choice>
+    <mc:Fallback xmlns="">
+      <p:transition spd="med">
+        <p:fade/>
+      </p:transition>
+    </mc:Fallback>
+  </mc:AlternateContent>
+</p:sld>
+</file>
+
+<file path=ppt/slides/slide10.xml><?xml version="1.0" encoding="utf-8"?>
+<p:sld xmlns:a="http://schemas.openxmlformats.org/drawingml/2006/main" xmlns:r="http://schemas.openxmlformats.org/officeDocument/2006/relationships" xmlns:p="http://schemas.openxmlformats.org/presentationml/2006/main">
+  <p:cSld>
+    <p:spTree>
+      <p:nvGrpSpPr>
+        <p:cNvPr id="1" name=""/>
+        <p:cNvGrpSpPr/>
+        <p:nvPr/>
+      </p:nvGrpSpPr>
+      <p:grpSpPr>
+        <a:xfrm>
+          <a:off x="0" y="0"/>
+          <a:ext cx="0" cy="0"/>
+          <a:chOff x="0" y="0"/>
+          <a:chExt cx="0" cy="0"/>
+        </a:xfrm>
+      </p:grpSpPr>
+      <p:sp>
+        <p:nvSpPr>
+          <p:cNvPr id="2" name="제목 1">
+            <a:extLst>
+              <a:ext uri="{FF2B5EF4-FFF2-40B4-BE49-F238E27FC236}">
+                <a16:creationId xmlns:a16="http://schemas.microsoft.com/office/drawing/2014/main" id="{65B67842-3094-460C-9497-225A0A259AAC}"/>
+              </a:ext>
+            </a:extLst>
+          </p:cNvPr>
+          <p:cNvSpPr>
+            <a:spLocks noGrp="1"/>
+          </p:cNvSpPr>
+          <p:nvPr>
+            <p:ph type="title"/>
+          </p:nvPr>
+        </p:nvSpPr>
+        <p:spPr/>
+        <p:txBody>
           <a:bodyPr/>
           <a:lstStyle/>
           <a:p>
             <a:r>
               <a:rPr lang="ko-KR" altLang="en-US"/>
-              <a:t>서블릿 </a:t>
+              <a:t>보안취약점</a:t>
             </a:r>
             <a:r>
               <a:rPr lang="en-US" altLang="ko-KR"/>
-              <a:t>3.0</a:t>
-            </a:r>
-          </a:p>
-          <a:p>
+              <a:t>, </a:t>
+            </a:r>
             <a:r>
               <a:rPr lang="ko-KR" altLang="en-US"/>
-              <a:t>업로드 중인 파일은 </a:t>
-            </a:r>
+              <a:t>개인정보보관 문제 해결</a:t>
+            </a:r>
+            <a:br>
+              <a:rPr lang="ko-KR" altLang="en-US"/>
+            </a:br>
+            <a:endParaRPr lang="ko-KR" altLang="en-US"/>
+          </a:p>
+        </p:txBody>
+      </p:sp>
+      <p:sp>
+        <p:nvSpPr>
+          <p:cNvPr id="8" name="내용 개체 틀 7">
+            <a:extLst>
+              <a:ext uri="{FF2B5EF4-FFF2-40B4-BE49-F238E27FC236}">
+                <a16:creationId xmlns:a16="http://schemas.microsoft.com/office/drawing/2014/main" id="{2DE5A70B-81CE-4FCC-9C9C-36B72AF2F570}"/>
+              </a:ext>
+            </a:extLst>
+          </p:cNvPr>
+          <p:cNvSpPr>
+            <a:spLocks noGrp="1"/>
+          </p:cNvSpPr>
+          <p:nvPr>
+            <p:ph idx="1"/>
+          </p:nvPr>
+        </p:nvSpPr>
+        <p:spPr/>
+        <p:txBody>
+          <a:bodyPr>
+            <a:normAutofit/>
+          </a:bodyPr>
+          <a:lstStyle/>
+          <a:p>
             <a:r>
               <a:rPr lang="en-US" altLang="ko-KR"/>
-              <a:t>temp </a:t>
+              <a:t>UploadFileB.java</a:t>
+            </a:r>
+          </a:p>
+          <a:p>
+            <a:pPr lvl="1"/>
+            <a:r>
+              <a:rPr lang="en-US" altLang="ko-KR"/>
+              <a:t>save()</a:t>
+            </a:r>
+          </a:p>
+          <a:p>
+            <a:pPr lvl="1"/>
+            <a:r>
+              <a:rPr lang="en-US" altLang="ko-KR"/>
+              <a:t>FW_UPLOAD_FILE </a:t>
             </a:r>
             <a:r>
               <a:rPr lang="ko-KR" altLang="en-US"/>
-              <a:t>영역 사용</a:t>
-            </a:r>
-            <a:endParaRPr lang="en-US" altLang="ko-KR" dirty="0"/>
+              <a:t>테이블 저장</a:t>
+            </a:r>
+            <a:endParaRPr lang="en-US" altLang="ko-KR"/>
+          </a:p>
+          <a:p>
+            <a:pPr lvl="2"/>
+            <a:r>
+              <a:rPr lang="ko-KR" altLang="en-US"/>
+              <a:t>사용자</a:t>
+            </a:r>
+            <a:r>
+              <a:rPr lang="en-US" altLang="ko-KR"/>
+              <a:t>, </a:t>
+            </a:r>
+            <a:r>
+              <a:rPr lang="ko-KR" altLang="en-US"/>
+              <a:t>서비스 기준 업로드 제한 가능</a:t>
+            </a:r>
+            <a:endParaRPr lang="en-US" altLang="ko-KR"/>
+          </a:p>
+          <a:p>
+            <a:pPr lvl="1"/>
+            <a:r>
+              <a:rPr lang="ko-KR" altLang="en-US"/>
+              <a:t>파일 암호화</a:t>
+            </a:r>
+            <a:r>
+              <a:rPr lang="en-US" altLang="ko-KR"/>
+              <a:t>(</a:t>
+            </a:r>
+            <a:r>
+              <a:rPr lang="ko-KR" altLang="en-US"/>
+              <a:t>난독화</a:t>
+            </a:r>
+            <a:r>
+              <a:rPr lang="en-US" altLang="ko-KR"/>
+              <a:t>) </a:t>
+            </a:r>
+          </a:p>
+          <a:p>
+            <a:pPr lvl="2"/>
+            <a:r>
+              <a:rPr lang="ko-KR" altLang="en-US"/>
+              <a:t>다운로드시 스트림 복호화</a:t>
+            </a:r>
+            <a:endParaRPr lang="en-US" altLang="ko-KR"/>
           </a:p>
         </p:txBody>
       </p:sp>
       <p:pic>
         <p:nvPicPr>
-          <p:cNvPr id="8" name="그림 7">
+          <p:cNvPr id="4" name="그림 3">
             <a:extLst>
               <a:ext uri="{FF2B5EF4-FFF2-40B4-BE49-F238E27FC236}">
-                <a16:creationId xmlns:a16="http://schemas.microsoft.com/office/drawing/2014/main" id="{ADAE5ACE-6D49-41F0-A3D5-6D075D6C2B50}"/>
+                <a16:creationId xmlns:a16="http://schemas.microsoft.com/office/drawing/2014/main" id="{FF18820D-C81C-43AD-964D-9DDBA394A8BF}"/>
               </a:ext>
             </a:extLst>
           </p:cNvPr>
@@ -15533,54 +15800,169 @@
         </p:blipFill>
         <p:spPr>
           <a:xfrm>
-            <a:off x="1508053" y="3542986"/>
-            <a:ext cx="5048955" cy="2248214"/>
+            <a:off x="6907776" y="1886928"/>
+            <a:ext cx="4048839" cy="3998543"/>
           </a:xfrm>
           <a:prstGeom prst="rect">
             <a:avLst/>
           </a:prstGeom>
         </p:spPr>
       </p:pic>
+    </p:spTree>
+    <p:extLst>
+      <p:ext uri="{BB962C8B-B14F-4D97-AF65-F5344CB8AC3E}">
+        <p14:creationId xmlns:p14="http://schemas.microsoft.com/office/powerpoint/2010/main" val="453924250"/>
+      </p:ext>
+    </p:extLst>
+  </p:cSld>
+  <p:clrMapOvr>
+    <a:masterClrMapping/>
+  </p:clrMapOvr>
+  <mc:AlternateContent xmlns:mc="http://schemas.openxmlformats.org/markup-compatibility/2006" xmlns:p14="http://schemas.microsoft.com/office/powerpoint/2010/main">
+    <mc:Choice Requires="p14">
+      <p:transition spd="med" p14:dur="700">
+        <p:fade/>
+      </p:transition>
+    </mc:Choice>
+    <mc:Fallback xmlns="">
+      <p:transition spd="med">
+        <p:fade/>
+      </p:transition>
+    </mc:Fallback>
+  </mc:AlternateContent>
+</p:sld>
+</file>
+
+<file path=ppt/slides/slide11.xml><?xml version="1.0" encoding="utf-8"?>
+<p:sld xmlns:a="http://schemas.openxmlformats.org/drawingml/2006/main" xmlns:r="http://schemas.openxmlformats.org/officeDocument/2006/relationships" xmlns:p="http://schemas.openxmlformats.org/presentationml/2006/main">
+  <p:cSld>
+    <p:spTree>
+      <p:nvGrpSpPr>
+        <p:cNvPr id="1" name=""/>
+        <p:cNvGrpSpPr/>
+        <p:nvPr/>
+      </p:nvGrpSpPr>
+      <p:grpSpPr>
+        <a:xfrm>
+          <a:off x="0" y="0"/>
+          <a:ext cx="0" cy="0"/>
+          <a:chOff x="0" y="0"/>
+          <a:chExt cx="0" cy="0"/>
+        </a:xfrm>
+      </p:grpSpPr>
       <p:sp>
         <p:nvSpPr>
-          <p:cNvPr id="10" name="TextBox 9">
+          <p:cNvPr id="2" name="제목 1">
             <a:extLst>
               <a:ext uri="{FF2B5EF4-FFF2-40B4-BE49-F238E27FC236}">
-                <a16:creationId xmlns:a16="http://schemas.microsoft.com/office/drawing/2014/main" id="{A51342E1-C020-4FBB-8E8D-8E79AB9CAFC5}"/>
+                <a16:creationId xmlns:a16="http://schemas.microsoft.com/office/drawing/2014/main" id="{28D78D5F-E582-4987-91DF-9C7C5BEBD4EB}"/>
               </a:ext>
             </a:extLst>
           </p:cNvPr>
-          <p:cNvSpPr txBox="1"/>
-          <p:nvPr/>
+          <p:cNvSpPr>
+            <a:spLocks noGrp="1"/>
+          </p:cNvSpPr>
+          <p:nvPr>
+            <p:ph type="title"/>
+          </p:nvPr>
         </p:nvSpPr>
-        <p:spPr>
-          <a:xfrm>
-            <a:off x="1437673" y="3033176"/>
-            <a:ext cx="2435028" cy="369332"/>
-          </a:xfrm>
-          <a:prstGeom prst="rect">
-            <a:avLst/>
-          </a:prstGeom>
-          <a:noFill/>
-        </p:spPr>
+        <p:spPr/>
         <p:txBody>
-          <a:bodyPr wrap="square" rtlCol="0">
-            <a:spAutoFit/>
+          <a:bodyPr/>
+          <a:lstStyle/>
+          <a:p>
+            <a:r>
+              <a:rPr lang="ko-KR" altLang="en-US"/>
+              <a:t>첨부파일관리 기능을 구현합니다</a:t>
+            </a:r>
+            <a:r>
+              <a:rPr lang="en-US" altLang="ko-KR"/>
+              <a:t>.</a:t>
+            </a:r>
+            <a:endParaRPr lang="ko-KR" altLang="en-US" dirty="0"/>
+          </a:p>
+        </p:txBody>
+      </p:sp>
+      <p:sp>
+        <p:nvSpPr>
+          <p:cNvPr id="3" name="내용 개체 틀 2">
+            <a:extLst>
+              <a:ext uri="{FF2B5EF4-FFF2-40B4-BE49-F238E27FC236}">
+                <a16:creationId xmlns:a16="http://schemas.microsoft.com/office/drawing/2014/main" id="{DFA47AE3-6532-4E43-9E16-6D279FF62F6D}"/>
+              </a:ext>
+            </a:extLst>
+          </p:cNvPr>
+          <p:cNvSpPr>
+            <a:spLocks noGrp="1"/>
+          </p:cNvSpPr>
+          <p:nvPr>
+            <p:ph idx="1"/>
+          </p:nvPr>
+        </p:nvSpPr>
+        <p:spPr/>
+        <p:txBody>
+          <a:bodyPr>
+            <a:normAutofit/>
           </a:bodyPr>
           <a:lstStyle/>
           <a:p>
             <a:r>
-              <a:rPr lang="en-US" altLang="ko-KR" sz="1800">
+              <a:rPr lang="ko-KR" altLang="en-US"/>
+              <a:t>파일업로드 기능 구현에 그치지 않고</a:t>
+            </a:r>
+            <a:endParaRPr lang="en-US" altLang="ko-KR"/>
+          </a:p>
+          <a:p>
+            <a:r>
+              <a:rPr lang="ko-KR" altLang="en-US"/>
+              <a:t>백엔드 프레임워크에서 반드시 제공해야 할 기능</a:t>
+            </a:r>
+            <a:endParaRPr lang="en-US" altLang="ko-KR"/>
+          </a:p>
+          <a:p>
+            <a:pPr lvl="1"/>
+            <a:r>
+              <a:rPr lang="ko-KR" altLang="en-US"/>
+              <a:t>파일관리 기능</a:t>
+            </a:r>
+            <a:endParaRPr lang="en-US" altLang="ko-KR"/>
+          </a:p>
+          <a:p>
+            <a:pPr lvl="1"/>
+            <a:r>
+              <a:rPr lang="ko-KR" altLang="en-US"/>
+              <a:t>파일다운로드 기능</a:t>
+            </a:r>
+            <a:endParaRPr lang="en-US" altLang="ko-KR"/>
+          </a:p>
+          <a:p>
+            <a:pPr lvl="1"/>
+            <a:r>
+              <a:rPr lang="ko-KR" altLang="en-US"/>
+              <a:t>보안취약점</a:t>
+            </a:r>
+            <a:r>
+              <a:rPr lang="en-US" altLang="ko-KR"/>
+              <a:t>, </a:t>
+            </a:r>
+            <a:r>
+              <a:rPr lang="ko-KR" altLang="en-US"/>
+              <a:t>개인정보보관 문제 해결</a:t>
+            </a:r>
+            <a:endParaRPr lang="en-US" altLang="ko-KR"/>
+          </a:p>
+          <a:p>
+            <a:r>
+              <a:rPr lang="ko-KR" altLang="en-US">
                 <a:solidFill>
-                  <a:schemeClr val="accent1"/>
+                  <a:srgbClr val="FF0000"/>
                 </a:solidFill>
-                <a:latin typeface="Consolas" panose="020B0609020204030204" pitchFamily="49" charset="0"/>
               </a:rPr>
-              <a:t>- web.xml</a:t>
-            </a:r>
-            <a:endParaRPr lang="ko-KR" altLang="en-US" dirty="0">
+              <a:t>개발자가 작동하는 소프트웨어를 쉽고 빠르게 만들 수 있도록 함</a:t>
+            </a:r>
+            <a:endParaRPr lang="en-US" altLang="ko-KR" dirty="0">
               <a:solidFill>
-                <a:schemeClr val="accent1"/>
+                <a:srgbClr val="FF0000"/>
               </a:solidFill>
             </a:endParaRPr>
           </a:p>
@@ -15589,7 +15971,7 @@
     </p:spTree>
     <p:extLst>
       <p:ext uri="{BB962C8B-B14F-4D97-AF65-F5344CB8AC3E}">
-        <p14:creationId xmlns:p14="http://schemas.microsoft.com/office/powerpoint/2010/main" val="2983092278"/>
+        <p14:creationId xmlns:p14="http://schemas.microsoft.com/office/powerpoint/2010/main" val="166337491"/>
       </p:ext>
     </p:extLst>
   </p:cSld>
@@ -15633,7 +16015,7 @@
           <p:cNvPr id="2" name="제목 1">
             <a:extLst>
               <a:ext uri="{FF2B5EF4-FFF2-40B4-BE49-F238E27FC236}">
-                <a16:creationId xmlns:a16="http://schemas.microsoft.com/office/drawing/2014/main" id="{D37A6E9A-4EC9-478E-8A1F-CCD678F1E0E5}"/>
+                <a16:creationId xmlns:a16="http://schemas.microsoft.com/office/drawing/2014/main" id="{28D78D5F-E582-4987-91DF-9C7C5BEBD4EB}"/>
               </a:ext>
             </a:extLst>
           </p:cNvPr>
@@ -15651,13 +16033,13 @@
           <a:p>
             <a:r>
               <a:rPr lang="ko-KR" altLang="en-US"/>
-              <a:t>파일업로드 기능을 구현합니다</a:t>
+              <a:t>첨부파일관리 기능을 구현합니다</a:t>
             </a:r>
             <a:r>
               <a:rPr lang="en-US" altLang="ko-KR"/>
               <a:t>.</a:t>
             </a:r>
-            <a:endParaRPr lang="ko-KR" altLang="en-US"/>
+            <a:endParaRPr lang="ko-KR" altLang="en-US" dirty="0"/>
           </a:p>
         </p:txBody>
       </p:sp>
@@ -15666,7 +16048,7 @@
           <p:cNvPr id="3" name="내용 개체 틀 2">
             <a:extLst>
               <a:ext uri="{FF2B5EF4-FFF2-40B4-BE49-F238E27FC236}">
-                <a16:creationId xmlns:a16="http://schemas.microsoft.com/office/drawing/2014/main" id="{EBCBB21E-27E0-4982-A1E8-625B60E3A83F}"/>
+                <a16:creationId xmlns:a16="http://schemas.microsoft.com/office/drawing/2014/main" id="{DFA47AE3-6532-4E43-9E16-6D279FF62F6D}"/>
               </a:ext>
             </a:extLst>
           </p:cNvPr>
@@ -15679,102 +16061,144 @@
         </p:nvSpPr>
         <p:spPr/>
         <p:txBody>
-          <a:bodyPr/>
-          <a:lstStyle/>
-          <a:p>
-            <a:r>
-              <a:rPr lang="en-US" altLang="ko-KR"/>
-              <a:t>multipart/form-data</a:t>
-            </a:r>
-          </a:p>
-          <a:p>
-            <a:pPr lvl="1"/>
-            <a:r>
-              <a:rPr lang="ko-KR" altLang="en-US"/>
-              <a:t>입력 데이터 크기를 예측할 수 없음</a:t>
-            </a:r>
-          </a:p>
-        </p:txBody>
-      </p:sp>
-      <p:pic>
-        <p:nvPicPr>
-          <p:cNvPr id="5" name="그림 4">
-            <a:extLst>
-              <a:ext uri="{FF2B5EF4-FFF2-40B4-BE49-F238E27FC236}">
-                <a16:creationId xmlns:a16="http://schemas.microsoft.com/office/drawing/2014/main" id="{9765B25B-09DD-4B9C-8321-95070547E534}"/>
-              </a:ext>
-            </a:extLst>
-          </p:cNvPr>
-          <p:cNvPicPr>
-            <a:picLocks noChangeAspect="1"/>
-          </p:cNvPicPr>
-          <p:nvPr/>
-        </p:nvPicPr>
-        <p:blipFill>
-          <a:blip r:embed="rId2"/>
-          <a:stretch>
-            <a:fillRect/>
-          </a:stretch>
-        </p:blipFill>
-        <p:spPr>
-          <a:xfrm>
-            <a:off x="1619081" y="3610678"/>
-            <a:ext cx="6134956" cy="1781424"/>
-          </a:xfrm>
-          <a:prstGeom prst="rect">
-            <a:avLst/>
-          </a:prstGeom>
-        </p:spPr>
-      </p:pic>
-      <p:sp>
-        <p:nvSpPr>
-          <p:cNvPr id="6" name="TextBox 5">
-            <a:extLst>
-              <a:ext uri="{FF2B5EF4-FFF2-40B4-BE49-F238E27FC236}">
-                <a16:creationId xmlns:a16="http://schemas.microsoft.com/office/drawing/2014/main" id="{F51B2F99-C7AF-4204-83DB-36220C2E428E}"/>
-              </a:ext>
-            </a:extLst>
-          </p:cNvPr>
-          <p:cNvSpPr txBox="1"/>
-          <p:nvPr/>
-        </p:nvSpPr>
-        <p:spPr>
-          <a:xfrm>
-            <a:off x="1619081" y="3075265"/>
-            <a:ext cx="5048756" cy="369332"/>
-          </a:xfrm>
-          <a:prstGeom prst="rect">
-            <a:avLst/>
-          </a:prstGeom>
-          <a:noFill/>
-        </p:spPr>
-        <p:txBody>
-          <a:bodyPr wrap="square" rtlCol="0">
-            <a:spAutoFit/>
+          <a:bodyPr>
+            <a:normAutofit fontScale="92500" lnSpcReduction="20000"/>
           </a:bodyPr>
           <a:lstStyle/>
           <a:p>
             <a:r>
-              <a:rPr lang="en-US" altLang="ko-KR">
+              <a:rPr lang="ko-KR" altLang="en-US"/>
+              <a:t>백엔드 프레임워크에서 반드시 제공해야 할 기능</a:t>
+            </a:r>
+            <a:endParaRPr lang="en-US" altLang="ko-KR"/>
+          </a:p>
+          <a:p>
+            <a:pPr lvl="1"/>
+            <a:r>
+              <a:rPr lang="ko-KR" altLang="en-US"/>
+              <a:t>파일관리 기능</a:t>
+            </a:r>
+            <a:endParaRPr lang="en-US" altLang="ko-KR"/>
+          </a:p>
+          <a:p>
+            <a:pPr lvl="2"/>
+            <a:r>
+              <a:rPr lang="ko-KR" altLang="en-US"/>
+              <a:t>저장</a:t>
+            </a:r>
+            <a:r>
+              <a:rPr lang="en-US" altLang="ko-KR"/>
+              <a:t>, </a:t>
+            </a:r>
+            <a:r>
+              <a:rPr lang="ko-KR" altLang="en-US"/>
+              <a:t>삭제 기능 추상화</a:t>
+            </a:r>
+            <a:endParaRPr lang="en-US" altLang="ko-KR"/>
+          </a:p>
+          <a:p>
+            <a:pPr lvl="2"/>
+            <a:r>
+              <a:rPr lang="ko-KR" altLang="en-US"/>
+              <a:t>사용자별</a:t>
+            </a:r>
+            <a:r>
+              <a:rPr lang="en-US" altLang="ko-KR"/>
+              <a:t>, </a:t>
+            </a:r>
+            <a:r>
+              <a:rPr lang="ko-KR" altLang="en-US"/>
+              <a:t>업무별 업로드 용량 제한</a:t>
+            </a:r>
+            <a:endParaRPr lang="en-US" altLang="ko-KR"/>
+          </a:p>
+          <a:p>
+            <a:pPr lvl="2"/>
+            <a:r>
+              <a:rPr lang="ko-KR" altLang="en-US"/>
+              <a:t>보관이 필요하지 않은 파일은 자동으로 제거</a:t>
+            </a:r>
+            <a:endParaRPr lang="en-US" altLang="ko-KR"/>
+          </a:p>
+          <a:p>
+            <a:pPr lvl="1"/>
+            <a:r>
+              <a:rPr lang="ko-KR" altLang="en-US"/>
+              <a:t>파일다운로드 기능</a:t>
+            </a:r>
+            <a:endParaRPr lang="en-US" altLang="ko-KR"/>
+          </a:p>
+          <a:p>
+            <a:pPr lvl="2"/>
+            <a:r>
+              <a:rPr lang="ko-KR" altLang="en-US"/>
+              <a:t>인증된 사용자가 접근제어를 통해 파일을 다운로드</a:t>
+            </a:r>
+            <a:endParaRPr lang="en-US" altLang="ko-KR"/>
+          </a:p>
+          <a:p>
+            <a:pPr lvl="2"/>
+            <a:r>
+              <a:rPr lang="ko-KR" altLang="en-US"/>
+              <a:t>다운로드 이력 관리</a:t>
+            </a:r>
+            <a:endParaRPr lang="en-US" altLang="ko-KR"/>
+          </a:p>
+          <a:p>
+            <a:pPr lvl="1"/>
+            <a:r>
+              <a:rPr lang="ko-KR" altLang="en-US"/>
+              <a:t>보안취약점</a:t>
+            </a:r>
+            <a:r>
+              <a:rPr lang="en-US" altLang="ko-KR"/>
+              <a:t>, </a:t>
+            </a:r>
+            <a:r>
+              <a:rPr lang="ko-KR" altLang="en-US"/>
+              <a:t>개인정보보관 문제 해결</a:t>
+            </a:r>
+            <a:endParaRPr lang="en-US" altLang="ko-KR"/>
+          </a:p>
+          <a:p>
+            <a:pPr lvl="2"/>
+            <a:r>
+              <a:rPr lang="ko-KR" altLang="en-US"/>
+              <a:t>사용자가 알 수 없는 파일이름으로 저장</a:t>
+            </a:r>
+            <a:endParaRPr lang="en-US" altLang="ko-KR"/>
+          </a:p>
+          <a:p>
+            <a:pPr lvl="2"/>
+            <a:r>
+              <a:rPr lang="ko-KR" altLang="en-US"/>
+              <a:t>첨부파일 난독화</a:t>
+            </a:r>
+            <a:r>
+              <a:rPr lang="en-US" altLang="ko-KR"/>
+              <a:t>(</a:t>
+            </a:r>
+            <a:r>
+              <a:rPr lang="ko-KR" altLang="en-US"/>
+              <a:t>암호화</a:t>
+            </a:r>
+            <a:r>
+              <a:rPr lang="en-US" altLang="ko-KR"/>
+              <a:t>)</a:t>
+            </a:r>
+          </a:p>
+          <a:p>
+            <a:r>
+              <a:rPr lang="ko-KR" altLang="en-US">
                 <a:solidFill>
-                  <a:schemeClr val="accent1"/>
+                  <a:srgbClr val="FF0000"/>
                 </a:solidFill>
-                <a:latin typeface="Consolas" panose="020B0609020204030204" pitchFamily="49" charset="0"/>
               </a:rPr>
-              <a:t>- </a:t>
-            </a:r>
-            <a:r>
-              <a:rPr lang="en-US" altLang="ko-KR" sz="1800">
-                <a:solidFill>
-                  <a:schemeClr val="accent1"/>
-                </a:solidFill>
-                <a:latin typeface="Consolas" panose="020B0609020204030204" pitchFamily="49" charset="0"/>
-              </a:rPr>
-              <a:t>MasterControllerMultipart.java</a:t>
-            </a:r>
-            <a:endParaRPr lang="ko-KR" altLang="en-US" dirty="0">
+              <a:t>데이터 관리와 가용성 유지를 서비스코드가 아닌 프레임워크 기능으로 해결해야 함</a:t>
+            </a:r>
+            <a:endParaRPr lang="en-US" altLang="ko-KR" dirty="0">
               <a:solidFill>
-                <a:schemeClr val="accent1"/>
+                <a:srgbClr val="FF0000"/>
               </a:solidFill>
             </a:endParaRPr>
           </a:p>
@@ -15783,7 +16207,7 @@
     </p:spTree>
     <p:extLst>
       <p:ext uri="{BB962C8B-B14F-4D97-AF65-F5344CB8AC3E}">
-        <p14:creationId xmlns:p14="http://schemas.microsoft.com/office/powerpoint/2010/main" val="1445454365"/>
+        <p14:creationId xmlns:p14="http://schemas.microsoft.com/office/powerpoint/2010/main" val="3936032273"/>
       </p:ext>
     </p:extLst>
   </p:cSld>
@@ -15827,7 +16251,7 @@
           <p:cNvPr id="2" name="제목 1">
             <a:extLst>
               <a:ext uri="{FF2B5EF4-FFF2-40B4-BE49-F238E27FC236}">
-                <a16:creationId xmlns:a16="http://schemas.microsoft.com/office/drawing/2014/main" id="{83C1CD1A-A5C1-4EEE-BF04-9EA8F57B2771}"/>
+                <a16:creationId xmlns:a16="http://schemas.microsoft.com/office/drawing/2014/main" id="{28D78D5F-E582-4987-91DF-9C7C5BEBD4EB}"/>
               </a:ext>
             </a:extLst>
           </p:cNvPr>
@@ -15845,13 +16269,9 @@
           <a:p>
             <a:r>
               <a:rPr lang="ko-KR" altLang="en-US"/>
-              <a:t>파일업로드 기능을 구현합니다</a:t>
-            </a:r>
-            <a:r>
-              <a:rPr lang="en-US" altLang="ko-KR"/>
-              <a:t>.</a:t>
-            </a:r>
-            <a:endParaRPr lang="ko-KR" altLang="en-US"/>
+              <a:t>파일업로드 기능 구현</a:t>
+            </a:r>
+            <a:endParaRPr lang="en-US" altLang="ko-KR"/>
           </a:p>
         </p:txBody>
       </p:sp>
@@ -15860,7 +16280,7 @@
           <p:cNvPr id="3" name="내용 개체 틀 2">
             <a:extLst>
               <a:ext uri="{FF2B5EF4-FFF2-40B4-BE49-F238E27FC236}">
-                <a16:creationId xmlns:a16="http://schemas.microsoft.com/office/drawing/2014/main" id="{330091F6-5620-49EB-B6B1-C012AE6832C6}"/>
+                <a16:creationId xmlns:a16="http://schemas.microsoft.com/office/drawing/2014/main" id="{DFA47AE3-6532-4E43-9E16-6D279FF62F6D}"/>
               </a:ext>
             </a:extLst>
           </p:cNvPr>
@@ -15878,40 +16298,64 @@
           <a:p>
             <a:r>
               <a:rPr lang="en-US" altLang="ko-KR"/>
-              <a:t>request.getParts()</a:t>
+              <a:t>web.xml</a:t>
             </a:r>
           </a:p>
           <a:p>
             <a:pPr lvl="1"/>
             <a:r>
               <a:rPr lang="ko-KR" altLang="en-US"/>
-              <a:t>입력한 값과 파일을 동시 처리</a:t>
+              <a:t>서블릿 </a:t>
+            </a:r>
+            <a:r>
+              <a:rPr lang="en-US" altLang="ko-KR"/>
+              <a:t>3.0 </a:t>
+            </a:r>
+            <a:r>
+              <a:rPr lang="ko-KR" altLang="en-US"/>
+              <a:t>기능 사용</a:t>
             </a:r>
             <a:endParaRPr lang="en-US" altLang="ko-KR"/>
           </a:p>
           <a:p>
             <a:pPr lvl="1"/>
             <a:r>
+              <a:rPr lang="en-US" altLang="ko-KR"/>
+              <a:t>multipart/form-data</a:t>
+            </a:r>
+          </a:p>
+          <a:p>
+            <a:pPr lvl="1"/>
+            <a:r>
               <a:rPr lang="ko-KR" altLang="en-US"/>
-              <a:t>파일인 경우 </a:t>
+              <a:t>첨부 파일은 </a:t>
             </a:r>
             <a:r>
               <a:rPr lang="en-US" altLang="ko-KR"/>
-              <a:t>UploadfileB </a:t>
+              <a:t>temp </a:t>
             </a:r>
             <a:r>
               <a:rPr lang="ko-KR" altLang="en-US"/>
-              <a:t>객체생성</a:t>
-            </a:r>
+              <a:t>영역에 보관</a:t>
+            </a:r>
+            <a:endParaRPr lang="en-US" altLang="ko-KR"/>
+          </a:p>
+          <a:p>
+            <a:pPr lvl="1"/>
+            <a:endParaRPr lang="en-US" altLang="ko-KR"/>
+          </a:p>
+          <a:p>
+            <a:pPr lvl="1"/>
+            <a:endParaRPr lang="en-US" altLang="ko-KR" dirty="0"/>
           </a:p>
         </p:txBody>
       </p:sp>
       <p:pic>
         <p:nvPicPr>
-          <p:cNvPr id="7" name="그림 6">
+          <p:cNvPr id="8" name="그림 7">
             <a:extLst>
               <a:ext uri="{FF2B5EF4-FFF2-40B4-BE49-F238E27FC236}">
-                <a16:creationId xmlns:a16="http://schemas.microsoft.com/office/drawing/2014/main" id="{60BB053D-B2AB-47D2-A2F6-884D423E0D30}"/>
+                <a16:creationId xmlns:a16="http://schemas.microsoft.com/office/drawing/2014/main" id="{ADAE5ACE-6D49-41F0-A3D5-6D075D6C2B50}"/>
               </a:ext>
             </a:extLst>
           </p:cNvPr>
@@ -15928,72 +16372,18 @@
         </p:blipFill>
         <p:spPr>
           <a:xfrm>
-            <a:off x="5742042" y="2324756"/>
-            <a:ext cx="5939486" cy="3680063"/>
+            <a:off x="6096000" y="1882669"/>
+            <a:ext cx="5048955" cy="2248214"/>
           </a:xfrm>
           <a:prstGeom prst="rect">
             <a:avLst/>
           </a:prstGeom>
         </p:spPr>
       </p:pic>
-      <p:sp>
-        <p:nvSpPr>
-          <p:cNvPr id="8" name="TextBox 7">
-            <a:extLst>
-              <a:ext uri="{FF2B5EF4-FFF2-40B4-BE49-F238E27FC236}">
-                <a16:creationId xmlns:a16="http://schemas.microsoft.com/office/drawing/2014/main" id="{377A7422-9920-41B5-B39C-363F939426F5}"/>
-              </a:ext>
-            </a:extLst>
-          </p:cNvPr>
-          <p:cNvSpPr txBox="1"/>
-          <p:nvPr/>
-        </p:nvSpPr>
-        <p:spPr>
-          <a:xfrm>
-            <a:off x="5742042" y="1861460"/>
-            <a:ext cx="5048756" cy="369332"/>
-          </a:xfrm>
-          <a:prstGeom prst="rect">
-            <a:avLst/>
-          </a:prstGeom>
-          <a:noFill/>
-        </p:spPr>
-        <p:txBody>
-          <a:bodyPr wrap="square" rtlCol="0">
-            <a:spAutoFit/>
-          </a:bodyPr>
-          <a:lstStyle/>
-          <a:p>
-            <a:r>
-              <a:rPr lang="en-US" altLang="ko-KR">
-                <a:solidFill>
-                  <a:schemeClr val="accent1"/>
-                </a:solidFill>
-                <a:latin typeface="Consolas" panose="020B0609020204030204" pitchFamily="49" charset="0"/>
-              </a:rPr>
-              <a:t>- </a:t>
-            </a:r>
-            <a:r>
-              <a:rPr lang="en-US" altLang="ko-KR" sz="1800">
-                <a:solidFill>
-                  <a:schemeClr val="accent1"/>
-                </a:solidFill>
-                <a:latin typeface="Consolas" panose="020B0609020204030204" pitchFamily="49" charset="0"/>
-              </a:rPr>
-              <a:t>MasterControllerMultipart.java</a:t>
-            </a:r>
-            <a:endParaRPr lang="ko-KR" altLang="en-US" dirty="0">
-              <a:solidFill>
-                <a:schemeClr val="accent1"/>
-              </a:solidFill>
-            </a:endParaRPr>
-          </a:p>
-        </p:txBody>
-      </p:sp>
     </p:spTree>
     <p:extLst>
       <p:ext uri="{BB962C8B-B14F-4D97-AF65-F5344CB8AC3E}">
-        <p14:creationId xmlns:p14="http://schemas.microsoft.com/office/powerpoint/2010/main" val="1812479750"/>
+        <p14:creationId xmlns:p14="http://schemas.microsoft.com/office/powerpoint/2010/main" val="1513365884"/>
       </p:ext>
     </p:extLst>
   </p:cSld>
@@ -16037,7 +16427,7 @@
           <p:cNvPr id="2" name="제목 1">
             <a:extLst>
               <a:ext uri="{FF2B5EF4-FFF2-40B4-BE49-F238E27FC236}">
-                <a16:creationId xmlns:a16="http://schemas.microsoft.com/office/drawing/2014/main" id="{C7FD0DC9-6134-4CDC-B17F-E0CD662B2964}"/>
+                <a16:creationId xmlns:a16="http://schemas.microsoft.com/office/drawing/2014/main" id="{83C1CD1A-A5C1-4EEE-BF04-9EA8F57B2771}"/>
               </a:ext>
             </a:extLst>
           </p:cNvPr>
@@ -16055,13 +16445,9 @@
           <a:p>
             <a:r>
               <a:rPr lang="ko-KR" altLang="en-US"/>
-              <a:t>파일업로드 기능을 구현합니다</a:t>
-            </a:r>
-            <a:r>
-              <a:rPr lang="en-US" altLang="ko-KR"/>
-              <a:t>.</a:t>
-            </a:r>
-            <a:endParaRPr lang="ko-KR" altLang="en-US"/>
+              <a:t>파일업로드 기능 구현</a:t>
+            </a:r>
+            <a:endParaRPr lang="en-US" altLang="ko-KR"/>
           </a:p>
         </p:txBody>
       </p:sp>
@@ -16070,7 +16456,7 @@
           <p:cNvPr id="3" name="내용 개체 틀 2">
             <a:extLst>
               <a:ext uri="{FF2B5EF4-FFF2-40B4-BE49-F238E27FC236}">
-                <a16:creationId xmlns:a16="http://schemas.microsoft.com/office/drawing/2014/main" id="{EBE34AA3-0A48-4116-9FCD-1AC82F18DB04}"/>
+                <a16:creationId xmlns:a16="http://schemas.microsoft.com/office/drawing/2014/main" id="{330091F6-5620-49EB-B6B1-C012AE6832C6}"/>
               </a:ext>
             </a:extLst>
           </p:cNvPr>
@@ -16087,37 +16473,107 @@
           <a:lstStyle/>
           <a:p>
             <a:r>
+              <a:rPr lang="en-US" altLang="ko-KR"/>
+              <a:t>MasterControllerMultipart.java</a:t>
+            </a:r>
+          </a:p>
+          <a:p>
+            <a:pPr lvl="1"/>
+            <a:r>
+              <a:rPr lang="en-US" altLang="ko-KR">
+                <a:solidFill>
+                  <a:srgbClr val="000000"/>
+                </a:solidFill>
+                <a:latin typeface="Consolas" panose="020B0609020204030204" pitchFamily="49" charset="0"/>
+              </a:rPr>
+              <a:t>setBox() </a:t>
+            </a:r>
+            <a:r>
+              <a:rPr lang="ko-KR" altLang="en-US">
+                <a:solidFill>
+                  <a:srgbClr val="000000"/>
+                </a:solidFill>
+                <a:latin typeface="Consolas" panose="020B0609020204030204" pitchFamily="49" charset="0"/>
+              </a:rPr>
+              <a:t>오버로딩</a:t>
+            </a:r>
+            <a:endParaRPr lang="en-US" altLang="ko-KR">
+              <a:solidFill>
+                <a:srgbClr val="000000"/>
+              </a:solidFill>
+              <a:latin typeface="Consolas" panose="020B0609020204030204" pitchFamily="49" charset="0"/>
+            </a:endParaRPr>
+          </a:p>
+          <a:p>
+            <a:pPr lvl="2"/>
+            <a:r>
+              <a:rPr lang="ko-KR" altLang="en-US">
+                <a:solidFill>
+                  <a:srgbClr val="000000"/>
+                </a:solidFill>
+                <a:latin typeface="Consolas" panose="020B0609020204030204" pitchFamily="49" charset="0"/>
+              </a:rPr>
+              <a:t>입력의 크기는 알 수 없음</a:t>
+            </a:r>
+            <a:endParaRPr lang="en-US" altLang="ko-KR">
+              <a:solidFill>
+                <a:srgbClr val="000000"/>
+              </a:solidFill>
+              <a:latin typeface="Consolas" panose="020B0609020204030204" pitchFamily="49" charset="0"/>
+            </a:endParaRPr>
+          </a:p>
+          <a:p>
+            <a:pPr lvl="2"/>
+            <a:r>
+              <a:rPr lang="ko-KR" altLang="en-US">
+                <a:solidFill>
+                  <a:srgbClr val="000000"/>
+                </a:solidFill>
+                <a:latin typeface="Consolas" panose="020B0609020204030204" pitchFamily="49" charset="0"/>
+              </a:rPr>
+              <a:t>스트림 처리</a:t>
+            </a:r>
+            <a:endParaRPr lang="en-US" altLang="ko-KR"/>
+          </a:p>
+          <a:p>
+            <a:pPr lvl="1"/>
+            <a:r>
+              <a:rPr lang="en-US" altLang="ko-KR"/>
+              <a:t>request.getParts()</a:t>
+            </a:r>
+          </a:p>
+          <a:p>
+            <a:pPr lvl="2"/>
+            <a:r>
+              <a:rPr lang="en-US" altLang="ko-KR"/>
+              <a:t>UploadfileB </a:t>
+            </a:r>
+            <a:r>
               <a:rPr lang="ko-KR" altLang="en-US"/>
-              <a:t>저장이 필요없는 첨부파일은</a:t>
-            </a:r>
-            <a:br>
-              <a:rPr lang="en-US" altLang="ko-KR"/>
-            </a:br>
+              <a:t>객체 생성</a:t>
+            </a:r>
+            <a:endParaRPr lang="en-US" altLang="ko-KR"/>
+          </a:p>
+          <a:p>
+            <a:pPr lvl="2"/>
             <a:r>
               <a:rPr lang="ko-KR" altLang="en-US"/>
-              <a:t>자동으로 삭제</a:t>
+              <a:t>업로드된 파일의 기능을 추상화한 객체</a:t>
             </a:r>
             <a:endParaRPr lang="en-US" altLang="ko-KR"/>
           </a:p>
           <a:p>
-            <a:r>
-              <a:rPr lang="en-US" altLang="ko-KR"/>
-              <a:t>AOP </a:t>
-            </a:r>
-            <a:r>
-              <a:rPr lang="ko-KR" altLang="en-US"/>
-              <a:t>관점으로 처리</a:t>
-            </a:r>
+            <a:pPr lvl="2"/>
             <a:endParaRPr lang="en-US" altLang="ko-KR"/>
           </a:p>
         </p:txBody>
       </p:sp>
       <p:pic>
         <p:nvPicPr>
-          <p:cNvPr id="5" name="그림 4">
+          <p:cNvPr id="6" name="그림 5">
             <a:extLst>
               <a:ext uri="{FF2B5EF4-FFF2-40B4-BE49-F238E27FC236}">
-                <a16:creationId xmlns:a16="http://schemas.microsoft.com/office/drawing/2014/main" id="{918636AA-20A3-4FC4-B240-9E4F34C61656}"/>
+                <a16:creationId xmlns:a16="http://schemas.microsoft.com/office/drawing/2014/main" id="{EE2A16E4-B60F-4578-827F-37ADA51D5C6E}"/>
               </a:ext>
             </a:extLst>
           </p:cNvPr>
@@ -16126,80 +16582,25 @@
           </p:cNvPicPr>
           <p:nvPr/>
         </p:nvPicPr>
-        <p:blipFill>
+        <p:blipFill rotWithShape="1">
           <a:blip r:embed="rId2"/>
-          <a:stretch>
-            <a:fillRect/>
-          </a:stretch>
+          <a:srcRect l="8639" r="17177"/>
+          <a:stretch/>
         </p:blipFill>
         <p:spPr>
           <a:xfrm>
-            <a:off x="5982711" y="2272579"/>
-            <a:ext cx="4042515" cy="3759931"/>
+            <a:off x="6682671" y="1834427"/>
+            <a:ext cx="4913215" cy="4103546"/>
           </a:xfrm>
           <a:prstGeom prst="rect">
             <a:avLst/>
           </a:prstGeom>
         </p:spPr>
       </p:pic>
-      <p:sp>
-        <p:nvSpPr>
-          <p:cNvPr id="6" name="TextBox 5">
-            <a:extLst>
-              <a:ext uri="{FF2B5EF4-FFF2-40B4-BE49-F238E27FC236}">
-                <a16:creationId xmlns:a16="http://schemas.microsoft.com/office/drawing/2014/main" id="{1922718B-3223-4711-A26B-B2A94B4239BB}"/>
-              </a:ext>
-            </a:extLst>
-          </p:cNvPr>
-          <p:cNvSpPr txBox="1"/>
-          <p:nvPr/>
-        </p:nvSpPr>
-        <p:spPr>
-          <a:xfrm>
-            <a:off x="5920067" y="1903247"/>
-            <a:ext cx="5048756" cy="369332"/>
-          </a:xfrm>
-          <a:prstGeom prst="rect">
-            <a:avLst/>
-          </a:prstGeom>
-          <a:noFill/>
-        </p:spPr>
-        <p:txBody>
-          <a:bodyPr wrap="square" rtlCol="0">
-            <a:spAutoFit/>
-          </a:bodyPr>
-          <a:lstStyle/>
-          <a:p>
-            <a:r>
-              <a:rPr lang="en-US" altLang="ko-KR">
-                <a:solidFill>
-                  <a:schemeClr val="accent1"/>
-                </a:solidFill>
-                <a:latin typeface="Consolas" panose="020B0609020204030204" pitchFamily="49" charset="0"/>
-              </a:rPr>
-              <a:t>- </a:t>
-            </a:r>
-            <a:r>
-              <a:rPr lang="en-US" altLang="ko-KR" sz="1800">
-                <a:solidFill>
-                  <a:schemeClr val="accent1"/>
-                </a:solidFill>
-                <a:latin typeface="Consolas" panose="020B0609020204030204" pitchFamily="49" charset="0"/>
-              </a:rPr>
-              <a:t>MasterControllerMultipart.java</a:t>
-            </a:r>
-            <a:endParaRPr lang="ko-KR" altLang="en-US" dirty="0">
-              <a:solidFill>
-                <a:schemeClr val="accent1"/>
-              </a:solidFill>
-            </a:endParaRPr>
-          </a:p>
-        </p:txBody>
-      </p:sp>
     </p:spTree>
     <p:extLst>
       <p:ext uri="{BB962C8B-B14F-4D97-AF65-F5344CB8AC3E}">
-        <p14:creationId xmlns:p14="http://schemas.microsoft.com/office/powerpoint/2010/main" val="1024811648"/>
+        <p14:creationId xmlns:p14="http://schemas.microsoft.com/office/powerpoint/2010/main" val="1812479750"/>
       </p:ext>
     </p:extLst>
   </p:cSld>
@@ -16261,13 +16662,8 @@
           <a:p>
             <a:r>
               <a:rPr lang="ko-KR" altLang="en-US"/>
-              <a:t>파일업로드 기능을 구현합니다</a:t>
-            </a:r>
-            <a:r>
-              <a:rPr lang="en-US" altLang="ko-KR"/>
-              <a:t>.</a:t>
-            </a:r>
-            <a:endParaRPr lang="ko-KR" altLang="en-US"/>
+              <a:t>파일관리 기능 구현</a:t>
+            </a:r>
           </a:p>
         </p:txBody>
       </p:sp>
@@ -16289,116 +16685,114 @@
         </p:nvSpPr>
         <p:spPr/>
         <p:txBody>
-          <a:bodyPr/>
-          <a:lstStyle/>
-          <a:p>
-            <a:r>
-              <a:rPr lang="ko-KR" altLang="en-US"/>
-              <a:t>첨부파일을 잘 사용할 수 있는 기능과 데이터를 제공</a:t>
-            </a:r>
-          </a:p>
-        </p:txBody>
-      </p:sp>
-      <p:pic>
-        <p:nvPicPr>
-          <p:cNvPr id="11" name="내용 개체 틀 4">
-            <a:extLst>
-              <a:ext uri="{FF2B5EF4-FFF2-40B4-BE49-F238E27FC236}">
-                <a16:creationId xmlns:a16="http://schemas.microsoft.com/office/drawing/2014/main" id="{EB8FF618-CBCF-47E8-A46F-D7C9A58A1E90}"/>
-              </a:ext>
-            </a:extLst>
-          </p:cNvPr>
-          <p:cNvPicPr>
-            <a:picLocks noChangeAspect="1"/>
-          </p:cNvPicPr>
-          <p:nvPr/>
-        </p:nvPicPr>
-        <p:blipFill rotWithShape="1">
-          <a:blip r:embed="rId2"/>
-          <a:srcRect b="48779"/>
-          <a:stretch/>
-        </p:blipFill>
-        <p:spPr>
-          <a:xfrm>
-            <a:off x="1415327" y="2943478"/>
-            <a:ext cx="4069154" cy="3101743"/>
-          </a:xfrm>
-          <a:prstGeom prst="rect">
-            <a:avLst/>
-          </a:prstGeom>
-        </p:spPr>
-      </p:pic>
-      <p:pic>
-        <p:nvPicPr>
-          <p:cNvPr id="12" name="내용 개체 틀 4">
-            <a:extLst>
-              <a:ext uri="{FF2B5EF4-FFF2-40B4-BE49-F238E27FC236}">
-                <a16:creationId xmlns:a16="http://schemas.microsoft.com/office/drawing/2014/main" id="{B4D0CAC2-0A13-494A-BB61-F2B688FE7431}"/>
-              </a:ext>
-            </a:extLst>
-          </p:cNvPr>
-          <p:cNvPicPr>
-            <a:picLocks noChangeAspect="1"/>
-          </p:cNvPicPr>
-          <p:nvPr/>
-        </p:nvPicPr>
-        <p:blipFill rotWithShape="1">
-          <a:blip r:embed="rId2"/>
-          <a:srcRect t="52163"/>
-          <a:stretch/>
-        </p:blipFill>
-        <p:spPr>
-          <a:xfrm>
-            <a:off x="3257486" y="3012642"/>
-            <a:ext cx="4162678" cy="2963414"/>
-          </a:xfrm>
-          <a:prstGeom prst="rect">
-            <a:avLst/>
-          </a:prstGeom>
-        </p:spPr>
-      </p:pic>
-      <p:sp>
-        <p:nvSpPr>
-          <p:cNvPr id="13" name="TextBox 12">
-            <a:extLst>
-              <a:ext uri="{FF2B5EF4-FFF2-40B4-BE49-F238E27FC236}">
-                <a16:creationId xmlns:a16="http://schemas.microsoft.com/office/drawing/2014/main" id="{346988F8-7ED4-4613-AB95-848817D3DB39}"/>
-              </a:ext>
-            </a:extLst>
-          </p:cNvPr>
-          <p:cNvSpPr txBox="1"/>
-          <p:nvPr/>
-        </p:nvSpPr>
-        <p:spPr>
-          <a:xfrm>
-            <a:off x="1415327" y="2507768"/>
-            <a:ext cx="5048756" cy="369332"/>
-          </a:xfrm>
-          <a:prstGeom prst="rect">
-            <a:avLst/>
-          </a:prstGeom>
-          <a:noFill/>
-        </p:spPr>
-        <p:txBody>
-          <a:bodyPr wrap="square" rtlCol="0">
-            <a:spAutoFit/>
+          <a:bodyPr>
+            <a:normAutofit lnSpcReduction="10000"/>
           </a:bodyPr>
           <a:lstStyle/>
           <a:p>
             <a:r>
-              <a:rPr lang="en-US" altLang="ko-KR">
-                <a:solidFill>
-                  <a:schemeClr val="accent1"/>
-                </a:solidFill>
-                <a:latin typeface="Consolas" panose="020B0609020204030204" pitchFamily="49" charset="0"/>
-              </a:rPr>
-              <a:t>- UploadFileB.java</a:t>
-            </a:r>
-            <a:endParaRPr lang="ko-KR" altLang="en-US" dirty="0">
-              <a:solidFill>
-                <a:schemeClr val="accent1"/>
-              </a:solidFill>
-            </a:endParaRPr>
+              <a:rPr lang="en-US" altLang="ko-KR"/>
+              <a:t>UploadFileB.java</a:t>
+            </a:r>
+          </a:p>
+          <a:p>
+            <a:pPr lvl="1"/>
+            <a:r>
+              <a:rPr lang="ko-KR" altLang="en-US"/>
+              <a:t>첨부파일을 사용하기 위해 필요한 데이터와 기능을 추상화한 객체</a:t>
+            </a:r>
+            <a:endParaRPr lang="en-US" altLang="ko-KR"/>
+          </a:p>
+          <a:p>
+            <a:pPr lvl="1"/>
+            <a:r>
+              <a:rPr lang="en-US" altLang="ko-KR"/>
+              <a:t>UploadFileB(long size, String fileId, String contentType, String fileNam...</a:t>
+            </a:r>
+          </a:p>
+          <a:p>
+            <a:pPr lvl="2"/>
+            <a:r>
+              <a:rPr lang="ko-KR" altLang="en-US"/>
+              <a:t>서비스에 사용되기 위해 대기중인 파일</a:t>
+            </a:r>
+            <a:endParaRPr lang="en-US" altLang="ko-KR"/>
+          </a:p>
+          <a:p>
+            <a:pPr lvl="2"/>
+            <a:r>
+              <a:rPr lang="ko-KR" altLang="en-US"/>
+              <a:t>사용되지 않았거나 저장될 필요가 없을 경우 자동 삭제</a:t>
+            </a:r>
+            <a:endParaRPr lang="en-US" altLang="ko-KR"/>
+          </a:p>
+          <a:p>
+            <a:pPr lvl="1"/>
+            <a:r>
+              <a:rPr lang="en-US" altLang="ko-KR"/>
+              <a:t>UploadFileB(String fileId)</a:t>
+            </a:r>
+          </a:p>
+          <a:p>
+            <a:pPr lvl="2"/>
+            <a:r>
+              <a:rPr lang="ko-KR" altLang="en-US"/>
+              <a:t>서버에 저장된 파일</a:t>
+            </a:r>
+            <a:endParaRPr lang="en-US" altLang="ko-KR"/>
+          </a:p>
+          <a:p>
+            <a:pPr lvl="2"/>
+            <a:r>
+              <a:rPr lang="en-US" altLang="ko-KR"/>
+              <a:t>FW_UPLOAD_FILE</a:t>
+            </a:r>
+            <a:r>
+              <a:rPr lang="ko-KR" altLang="en-US"/>
+              <a:t>을 통해 객체에 필요한 데이터 설정</a:t>
+            </a:r>
+            <a:endParaRPr lang="en-US" altLang="ko-KR"/>
+          </a:p>
+          <a:p>
+            <a:pPr lvl="1"/>
+            <a:r>
+              <a:rPr lang="en-US" altLang="ko-KR"/>
+              <a:t>UploadFileB()</a:t>
+            </a:r>
+          </a:p>
+          <a:p>
+            <a:pPr lvl="2"/>
+            <a:r>
+              <a:rPr lang="ko-KR" altLang="en-US"/>
+              <a:t>첨부파일이 없을 경우</a:t>
+            </a:r>
+            <a:r>
+              <a:rPr lang="en-US" altLang="ko-KR"/>
+              <a:t>, size() </a:t>
+            </a:r>
+            <a:r>
+              <a:rPr lang="ko-KR" altLang="en-US"/>
+              <a:t>는</a:t>
+            </a:r>
+            <a:r>
+              <a:rPr lang="en-US" altLang="ko-KR"/>
+              <a:t> 0</a:t>
+            </a:r>
+          </a:p>
+          <a:p>
+            <a:pPr lvl="2"/>
+            <a:r>
+              <a:rPr lang="en-US" altLang="ko-KR"/>
+              <a:t>NullPotintException </a:t>
+            </a:r>
+            <a:r>
+              <a:rPr lang="ko-KR" altLang="en-US"/>
+              <a:t>을 방지</a:t>
+            </a:r>
+            <a:endParaRPr lang="en-US" altLang="ko-KR"/>
+          </a:p>
+          <a:p>
+            <a:endParaRPr lang="ko-KR" altLang="en-US"/>
           </a:p>
         </p:txBody>
       </p:sp>
@@ -16467,13 +16861,8 @@
           <a:p>
             <a:r>
               <a:rPr lang="ko-KR" altLang="en-US"/>
-              <a:t>파일업로드 기능을 구현합니다</a:t>
-            </a:r>
-            <a:r>
-              <a:rPr lang="en-US" altLang="ko-KR"/>
-              <a:t>.</a:t>
-            </a:r>
-            <a:endParaRPr lang="ko-KR" altLang="en-US"/>
+              <a:t>파일관리 기능 구현</a:t>
+            </a:r>
           </a:p>
         </p:txBody>
       </p:sp>
@@ -16493,58 +16882,117 @@
             <p:ph idx="1"/>
           </p:nvPr>
         </p:nvSpPr>
-        <p:spPr/>
-        <p:txBody>
-          <a:bodyPr/>
-          <a:lstStyle/>
-          <a:p>
-            <a:r>
-              <a:rPr lang="ko-KR" altLang="en-US"/>
-              <a:t>개발자는 서비스 구현에만 집중</a:t>
-            </a:r>
-          </a:p>
-        </p:txBody>
-      </p:sp>
-      <p:sp>
-        <p:nvSpPr>
-          <p:cNvPr id="13" name="TextBox 12">
-            <a:extLst>
-              <a:ext uri="{FF2B5EF4-FFF2-40B4-BE49-F238E27FC236}">
-                <a16:creationId xmlns:a16="http://schemas.microsoft.com/office/drawing/2014/main" id="{346988F8-7ED4-4613-AB95-848817D3DB39}"/>
-              </a:ext>
-            </a:extLst>
-          </p:cNvPr>
-          <p:cNvSpPr txBox="1"/>
-          <p:nvPr/>
-        </p:nvSpPr>
         <p:spPr>
           <a:xfrm>
-            <a:off x="1512432" y="2564412"/>
-            <a:ext cx="5048756" cy="369332"/>
+            <a:off x="1295400" y="1948832"/>
+            <a:ext cx="9601200" cy="3809999"/>
           </a:xfrm>
-          <a:prstGeom prst="rect">
-            <a:avLst/>
-          </a:prstGeom>
-          <a:noFill/>
         </p:spPr>
         <p:txBody>
-          <a:bodyPr wrap="square" rtlCol="0">
-            <a:spAutoFit/>
+          <a:bodyPr>
+            <a:normAutofit/>
           </a:bodyPr>
           <a:lstStyle/>
           <a:p>
             <a:r>
-              <a:rPr lang="en-US" altLang="ko-KR">
+              <a:rPr lang="en-US" altLang="ko-KR"/>
+              <a:t>UploadFileB.java</a:t>
+            </a:r>
+          </a:p>
+          <a:p>
+            <a:pPr lvl="1"/>
+            <a:r>
+              <a:rPr lang="en-US" altLang="ko-KR"/>
+              <a:t>save()</a:t>
+            </a:r>
+          </a:p>
+          <a:p>
+            <a:pPr lvl="2"/>
+            <a:r>
+              <a:rPr lang="ko-KR" altLang="en-US"/>
+              <a:t>서비스 결과에 따라 보관해야 할 필요가 있을때 사용</a:t>
+            </a:r>
+            <a:endParaRPr lang="en-US" altLang="ko-KR"/>
+          </a:p>
+          <a:p>
+            <a:pPr lvl="2"/>
+            <a:r>
+              <a:rPr lang="en-US" altLang="ko-KR"/>
+              <a:t>isSave() </a:t>
+            </a:r>
+            <a:r>
+              <a:rPr lang="ko-KR" altLang="en-US"/>
+              <a:t>가 </a:t>
+            </a:r>
+            <a:r>
+              <a:rPr lang="en-US" altLang="ko-KR"/>
+              <a:t>false </a:t>
+            </a:r>
+            <a:r>
+              <a:rPr lang="ko-KR" altLang="en-US"/>
+              <a:t>일경우 프레임워크에서 자동으로 삭제</a:t>
+            </a:r>
+            <a:endParaRPr lang="en-US" altLang="ko-KR"/>
+          </a:p>
+          <a:p>
+            <a:pPr lvl="2"/>
+            <a:r>
+              <a:rPr lang="ko-KR" altLang="en-US"/>
+              <a:t>업로드 용량이 초과되면</a:t>
+            </a:r>
+            <a:r>
+              <a:rPr lang="en-US" altLang="ko-KR"/>
+              <a:t> Exception</a:t>
+            </a:r>
+            <a:r>
+              <a:rPr lang="ko-KR" altLang="en-US"/>
+              <a:t> 발생</a:t>
+            </a:r>
+            <a:endParaRPr lang="en-US" altLang="ko-KR"/>
+          </a:p>
+          <a:p>
+            <a:pPr lvl="1"/>
+            <a:r>
+              <a:rPr lang="en-US" altLang="ko-KR"/>
+              <a:t>delete()</a:t>
+            </a:r>
+          </a:p>
+          <a:p>
+            <a:pPr lvl="2"/>
+            <a:r>
+              <a:rPr lang="ko-KR" altLang="en-US"/>
+              <a:t>서버에 저장할 필요가 없을 경우 사용</a:t>
+            </a:r>
+            <a:endParaRPr lang="en-US" altLang="ko-KR"/>
+          </a:p>
+          <a:p>
+            <a:r>
+              <a:rPr lang="ko-KR" altLang="en-US">
                 <a:solidFill>
-                  <a:schemeClr val="accent1"/>
+                  <a:srgbClr val="FF0000"/>
                 </a:solidFill>
-                <a:latin typeface="Consolas" panose="020B0609020204030204" pitchFamily="49" charset="0"/>
               </a:rPr>
-              <a:t>- Board.java</a:t>
-            </a:r>
-            <a:endParaRPr lang="ko-KR" altLang="en-US" dirty="0">
+              <a:t>개발자가 편하고 안전하게 첨부파일을 기능으로 구현</a:t>
+            </a:r>
+            <a:endParaRPr lang="en-US" altLang="ko-KR">
               <a:solidFill>
-                <a:schemeClr val="accent1"/>
+                <a:srgbClr val="FF0000"/>
+              </a:solidFill>
+            </a:endParaRPr>
+          </a:p>
+          <a:p>
+            <a:pPr lvl="1"/>
+            <a:r>
+              <a:rPr lang="ko-KR" altLang="en-US">
+                <a:solidFill>
+                  <a:srgbClr val="FF0000"/>
+                </a:solidFill>
+              </a:rPr>
+              <a:t>절대경로없이</a:t>
+            </a:r>
+            <a:endParaRPr lang="en-US" altLang="ko-KR">
+              <a:solidFill>
+                <a:srgbClr val="FF0000"/>
               </a:solidFill>
             </a:endParaRPr>
           </a:p>
@@ -16555,7 +17003,7 @@
           <p:cNvPr id="4" name="그림 3">
             <a:extLst>
               <a:ext uri="{FF2B5EF4-FFF2-40B4-BE49-F238E27FC236}">
-                <a16:creationId xmlns:a16="http://schemas.microsoft.com/office/drawing/2014/main" id="{4D794EE4-8385-406C-897F-6252A5612B1F}"/>
+                <a16:creationId xmlns:a16="http://schemas.microsoft.com/office/drawing/2014/main" id="{158C8C8D-CE68-4688-8857-A056CD9A9609}"/>
               </a:ext>
             </a:extLst>
           </p:cNvPr>
@@ -16564,46 +17012,15 @@
           </p:cNvPicPr>
           <p:nvPr/>
         </p:nvPicPr>
-        <p:blipFill>
+        <p:blipFill rotWithShape="1">
           <a:blip r:embed="rId2"/>
-          <a:stretch>
-            <a:fillRect/>
-          </a:stretch>
+          <a:srcRect l="20147" r="21224"/>
+          <a:stretch/>
         </p:blipFill>
         <p:spPr>
           <a:xfrm>
-            <a:off x="1939820" y="4282192"/>
-            <a:ext cx="3505689" cy="1381318"/>
-          </a:xfrm>
-          <a:prstGeom prst="rect">
-            <a:avLst/>
-          </a:prstGeom>
-        </p:spPr>
-      </p:pic>
-      <p:pic>
-        <p:nvPicPr>
-          <p:cNvPr id="6" name="그림 5">
-            <a:extLst>
-              <a:ext uri="{FF2B5EF4-FFF2-40B4-BE49-F238E27FC236}">
-                <a16:creationId xmlns:a16="http://schemas.microsoft.com/office/drawing/2014/main" id="{1CF04BE0-2B59-4A93-BB44-4CB0CB928700}"/>
-              </a:ext>
-            </a:extLst>
-          </p:cNvPr>
-          <p:cNvPicPr>
-            <a:picLocks noChangeAspect="1"/>
-          </p:cNvPicPr>
-          <p:nvPr/>
-        </p:nvPicPr>
-        <p:blipFill>
-          <a:blip r:embed="rId3"/>
-          <a:stretch>
-            <a:fillRect/>
-          </a:stretch>
-        </p:blipFill>
-        <p:spPr>
-          <a:xfrm>
-            <a:off x="2012682" y="3234791"/>
-            <a:ext cx="4848902" cy="847843"/>
+            <a:off x="7780271" y="2534312"/>
+            <a:ext cx="3116329" cy="2094332"/>
           </a:xfrm>
           <a:prstGeom prst="rect">
             <a:avLst/>
@@ -16613,7 +17030,7 @@
     </p:spTree>
     <p:extLst>
       <p:ext uri="{BB962C8B-B14F-4D97-AF65-F5344CB8AC3E}">
-        <p14:creationId xmlns:p14="http://schemas.microsoft.com/office/powerpoint/2010/main" val="2438262157"/>
+        <p14:creationId xmlns:p14="http://schemas.microsoft.com/office/powerpoint/2010/main" val="1578488925"/>
       </p:ext>
     </p:extLst>
   </p:cSld>
@@ -16657,7 +17074,7 @@
           <p:cNvPr id="2" name="제목 1">
             <a:extLst>
               <a:ext uri="{FF2B5EF4-FFF2-40B4-BE49-F238E27FC236}">
-                <a16:creationId xmlns:a16="http://schemas.microsoft.com/office/drawing/2014/main" id="{A31AF44C-710D-475D-A54E-DA7F1F728D8F}"/>
+                <a16:creationId xmlns:a16="http://schemas.microsoft.com/office/drawing/2014/main" id="{65B67842-3094-460C-9497-225A0A259AAC}"/>
               </a:ext>
             </a:extLst>
           </p:cNvPr>
@@ -16675,22 +17092,17 @@
           <a:p>
             <a:r>
               <a:rPr lang="ko-KR" altLang="en-US"/>
-              <a:t>파일업로드 기능을 구현합니다</a:t>
-            </a:r>
-            <a:r>
-              <a:rPr lang="en-US" altLang="ko-KR"/>
-              <a:t>.</a:t>
-            </a:r>
-            <a:endParaRPr lang="ko-KR" altLang="en-US"/>
+              <a:t>파일다운로드 기능 구현</a:t>
+            </a:r>
           </a:p>
         </p:txBody>
       </p:sp>
       <p:sp>
         <p:nvSpPr>
-          <p:cNvPr id="3" name="내용 개체 틀 2">
+          <p:cNvPr id="8" name="내용 개체 틀 7">
             <a:extLst>
               <a:ext uri="{FF2B5EF4-FFF2-40B4-BE49-F238E27FC236}">
-                <a16:creationId xmlns:a16="http://schemas.microsoft.com/office/drawing/2014/main" id="{C4613217-21C6-4ACC-A4B8-3ACF7FEF4687}"/>
+                <a16:creationId xmlns:a16="http://schemas.microsoft.com/office/drawing/2014/main" id="{2DE5A70B-81CE-4FCC-9C9C-36B72AF2F570}"/>
               </a:ext>
             </a:extLst>
           </p:cNvPr>
@@ -16701,24 +17113,75 @@
             <p:ph idx="1"/>
           </p:nvPr>
         </p:nvSpPr>
-        <p:spPr/>
+        <p:spPr>
+          <a:xfrm>
+            <a:off x="1295400" y="1948832"/>
+            <a:ext cx="9601200" cy="3809999"/>
+          </a:xfrm>
+        </p:spPr>
         <p:txBody>
-          <a:bodyPr/>
+          <a:bodyPr>
+            <a:normAutofit/>
+          </a:bodyPr>
           <a:lstStyle/>
           <a:p>
             <a:r>
+              <a:rPr lang="en-US" altLang="ko-KR"/>
+              <a:t>MasterControllerMultipart.file001()</a:t>
+            </a:r>
+          </a:p>
+          <a:p>
+            <a:pPr lvl="1"/>
+            <a:r>
               <a:rPr lang="ko-KR" altLang="en-US"/>
-              <a:t>저장된 파일의 위치와 관리가 중요</a:t>
-            </a:r>
+              <a:t>접근제어는 토큰으로 구현</a:t>
+            </a:r>
+            <a:endParaRPr lang="en-US" altLang="ko-KR"/>
+          </a:p>
+          <a:p>
+            <a:pPr lvl="2"/>
+            <a:r>
+              <a:rPr lang="en-US" altLang="ko-KR"/>
+              <a:t>“file001” + FILE_ID = </a:t>
+            </a:r>
+            <a:r>
+              <a:rPr lang="ko-KR" altLang="en-US"/>
+              <a:t>토큰</a:t>
+            </a:r>
+            <a:endParaRPr lang="en-US" altLang="ko-KR"/>
+          </a:p>
+          <a:p>
+            <a:pPr lvl="1"/>
+            <a:r>
+              <a:rPr lang="ko-KR" altLang="en-US"/>
+              <a:t>접근제어 수행 후</a:t>
+            </a:r>
+            <a:r>
+              <a:rPr lang="en-US" altLang="ko-KR"/>
+              <a:t> UploadFileB </a:t>
+            </a:r>
+            <a:r>
+              <a:rPr lang="ko-KR" altLang="en-US"/>
+              <a:t>객체생성</a:t>
+            </a:r>
+            <a:endParaRPr lang="en-US" altLang="ko-KR"/>
+          </a:p>
+          <a:p>
+            <a:pPr lvl="1"/>
+            <a:r>
+              <a:rPr lang="ko-KR" altLang="en-US"/>
+              <a:t>다운로드 이력 기록</a:t>
+            </a:r>
+            <a:endParaRPr lang="en-US" altLang="ko-KR"/>
           </a:p>
         </p:txBody>
       </p:sp>
       <p:pic>
         <p:nvPicPr>
-          <p:cNvPr id="5" name="그림 4">
+          <p:cNvPr id="10" name="그림 9">
             <a:extLst>
               <a:ext uri="{FF2B5EF4-FFF2-40B4-BE49-F238E27FC236}">
-                <a16:creationId xmlns:a16="http://schemas.microsoft.com/office/drawing/2014/main" id="{E9DCA39E-0610-4A97-A487-469930E4FBC7}"/>
+                <a16:creationId xmlns:a16="http://schemas.microsoft.com/office/drawing/2014/main" id="{2BC7B77B-362F-4282-9AB1-8386F6053F7A}"/>
               </a:ext>
             </a:extLst>
           </p:cNvPr>
@@ -16735,20 +17198,192 @@
         </p:blipFill>
         <p:spPr>
           <a:xfrm>
-            <a:off x="1383739" y="2578923"/>
-            <a:ext cx="4374180" cy="2041630"/>
+            <a:off x="6592258" y="1861166"/>
+            <a:ext cx="4708704" cy="2960131"/>
           </a:xfrm>
           <a:prstGeom prst="rect">
             <a:avLst/>
           </a:prstGeom>
         </p:spPr>
       </p:pic>
+    </p:spTree>
+    <p:extLst>
+      <p:ext uri="{BB962C8B-B14F-4D97-AF65-F5344CB8AC3E}">
+        <p14:creationId xmlns:p14="http://schemas.microsoft.com/office/powerpoint/2010/main" val="4107687154"/>
+      </p:ext>
+    </p:extLst>
+  </p:cSld>
+  <p:clrMapOvr>
+    <a:masterClrMapping/>
+  </p:clrMapOvr>
+  <mc:AlternateContent xmlns:mc="http://schemas.openxmlformats.org/markup-compatibility/2006" xmlns:p14="http://schemas.microsoft.com/office/powerpoint/2010/main">
+    <mc:Choice Requires="p14">
+      <p:transition spd="med" p14:dur="700">
+        <p:fade/>
+      </p:transition>
+    </mc:Choice>
+    <mc:Fallback xmlns="">
+      <p:transition spd="med">
+        <p:fade/>
+      </p:transition>
+    </mc:Fallback>
+  </mc:AlternateContent>
+</p:sld>
+</file>
+
+<file path=ppt/slides/slide8.xml><?xml version="1.0" encoding="utf-8"?>
+<p:sld xmlns:a="http://schemas.openxmlformats.org/drawingml/2006/main" xmlns:r="http://schemas.openxmlformats.org/officeDocument/2006/relationships" xmlns:p="http://schemas.openxmlformats.org/presentationml/2006/main">
+  <p:cSld>
+    <p:spTree>
+      <p:nvGrpSpPr>
+        <p:cNvPr id="1" name=""/>
+        <p:cNvGrpSpPr/>
+        <p:nvPr/>
+      </p:nvGrpSpPr>
+      <p:grpSpPr>
+        <a:xfrm>
+          <a:off x="0" y="0"/>
+          <a:ext cx="0" cy="0"/>
+          <a:chOff x="0" y="0"/>
+          <a:chExt cx="0" cy="0"/>
+        </a:xfrm>
+      </p:grpSpPr>
+      <p:sp>
+        <p:nvSpPr>
+          <p:cNvPr id="2" name="제목 1">
+            <a:extLst>
+              <a:ext uri="{FF2B5EF4-FFF2-40B4-BE49-F238E27FC236}">
+                <a16:creationId xmlns:a16="http://schemas.microsoft.com/office/drawing/2014/main" id="{65B67842-3094-460C-9497-225A0A259AAC}"/>
+              </a:ext>
+            </a:extLst>
+          </p:cNvPr>
+          <p:cNvSpPr>
+            <a:spLocks noGrp="1"/>
+          </p:cNvSpPr>
+          <p:nvPr>
+            <p:ph type="title"/>
+          </p:nvPr>
+        </p:nvSpPr>
+        <p:spPr/>
+        <p:txBody>
+          <a:bodyPr/>
+          <a:lstStyle/>
+          <a:p>
+            <a:r>
+              <a:rPr lang="ko-KR" altLang="en-US"/>
+              <a:t>파일다운로드 기능 구현</a:t>
+            </a:r>
+          </a:p>
+        </p:txBody>
+      </p:sp>
+      <p:sp>
+        <p:nvSpPr>
+          <p:cNvPr id="8" name="내용 개체 틀 7">
+            <a:extLst>
+              <a:ext uri="{FF2B5EF4-FFF2-40B4-BE49-F238E27FC236}">
+                <a16:creationId xmlns:a16="http://schemas.microsoft.com/office/drawing/2014/main" id="{2DE5A70B-81CE-4FCC-9C9C-36B72AF2F570}"/>
+              </a:ext>
+            </a:extLst>
+          </p:cNvPr>
+          <p:cNvSpPr>
+            <a:spLocks noGrp="1"/>
+          </p:cNvSpPr>
+          <p:nvPr>
+            <p:ph idx="1"/>
+          </p:nvPr>
+        </p:nvSpPr>
+        <p:spPr>
+          <a:xfrm>
+            <a:off x="1295400" y="1948832"/>
+            <a:ext cx="9601200" cy="3809999"/>
+          </a:xfrm>
+        </p:spPr>
+        <p:txBody>
+          <a:bodyPr>
+            <a:normAutofit/>
+          </a:bodyPr>
+          <a:lstStyle/>
+          <a:p>
+            <a:r>
+              <a:rPr lang="en-US" altLang="ko-KR"/>
+              <a:t>file001.jsp</a:t>
+            </a:r>
+          </a:p>
+          <a:p>
+            <a:pPr lvl="1"/>
+            <a:r>
+              <a:rPr lang="ko-KR" altLang="en-US"/>
+              <a:t>암호화</a:t>
+            </a:r>
+            <a:r>
+              <a:rPr lang="en-US" altLang="ko-KR"/>
+              <a:t>(</a:t>
+            </a:r>
+            <a:r>
+              <a:rPr lang="ko-KR" altLang="en-US"/>
+              <a:t>난독화</a:t>
+            </a:r>
+            <a:r>
+              <a:rPr lang="en-US" altLang="ko-KR"/>
+              <a:t>)</a:t>
+            </a:r>
+            <a:r>
+              <a:rPr lang="ko-KR" altLang="en-US"/>
+              <a:t>된 파일을 풀어 다운로드</a:t>
+            </a:r>
+            <a:endParaRPr lang="en-US" altLang="ko-KR"/>
+          </a:p>
+          <a:p>
+            <a:pPr lvl="2"/>
+            <a:r>
+              <a:rPr lang="ko-KR" altLang="en-US"/>
+              <a:t>스트림 복호화</a:t>
+            </a:r>
+            <a:endParaRPr lang="en-US" altLang="ko-KR"/>
+          </a:p>
+          <a:p>
+            <a:pPr lvl="1"/>
+            <a:r>
+              <a:rPr lang="ko-KR" altLang="en-US"/>
+              <a:t>타임아웃설정</a:t>
+            </a:r>
+            <a:endParaRPr lang="en-US" altLang="ko-KR"/>
+          </a:p>
+          <a:p>
+            <a:pPr lvl="2"/>
+            <a:r>
+              <a:rPr lang="en-US" altLang="ko-KR"/>
+              <a:t>DOS</a:t>
+            </a:r>
+            <a:r>
+              <a:rPr lang="ko-KR" altLang="en-US"/>
+              <a:t> 공격 방어</a:t>
+            </a:r>
+            <a:endParaRPr lang="en-US" altLang="ko-KR"/>
+          </a:p>
+          <a:p>
+            <a:pPr lvl="1"/>
+            <a:r>
+              <a:rPr lang="en-US" altLang="ko-KR"/>
+              <a:t>ISO-8859-1</a:t>
+            </a:r>
+          </a:p>
+          <a:p>
+            <a:pPr lvl="2"/>
+            <a:r>
+              <a:rPr lang="ko-KR" altLang="en-US"/>
+              <a:t>한글 파일명 깨짐 방지</a:t>
+            </a:r>
+            <a:endParaRPr lang="en-US" altLang="ko-KR"/>
+          </a:p>
+        </p:txBody>
+      </p:sp>
       <p:pic>
         <p:nvPicPr>
-          <p:cNvPr id="9" name="그림 8">
+          <p:cNvPr id="7" name="그림 6">
             <a:extLst>
               <a:ext uri="{FF2B5EF4-FFF2-40B4-BE49-F238E27FC236}">
-                <a16:creationId xmlns:a16="http://schemas.microsoft.com/office/drawing/2014/main" id="{9E4A7BE7-639C-454D-833F-C66EA41DBBD6}"/>
+                <a16:creationId xmlns:a16="http://schemas.microsoft.com/office/drawing/2014/main" id="{55508021-5957-45B9-AC47-4BFCF07EB6E8}"/>
               </a:ext>
             </a:extLst>
           </p:cNvPr>
@@ -16758,27 +17393,177 @@
           <p:nvPr/>
         </p:nvPicPr>
         <p:blipFill>
-          <a:blip r:embed="rId3"/>
+          <a:blip r:embed="rId2"/>
           <a:stretch>
             <a:fillRect/>
           </a:stretch>
         </p:blipFill>
         <p:spPr>
           <a:xfrm>
-            <a:off x="6536308" y="3667158"/>
-            <a:ext cx="3410426" cy="866896"/>
+            <a:off x="6293287" y="2500438"/>
+            <a:ext cx="5262886" cy="2900971"/>
           </a:xfrm>
           <a:prstGeom prst="rect">
             <a:avLst/>
           </a:prstGeom>
         </p:spPr>
       </p:pic>
+    </p:spTree>
+    <p:extLst>
+      <p:ext uri="{BB962C8B-B14F-4D97-AF65-F5344CB8AC3E}">
+        <p14:creationId xmlns:p14="http://schemas.microsoft.com/office/powerpoint/2010/main" val="2770611515"/>
+      </p:ext>
+    </p:extLst>
+  </p:cSld>
+  <p:clrMapOvr>
+    <a:masterClrMapping/>
+  </p:clrMapOvr>
+  <mc:AlternateContent xmlns:mc="http://schemas.openxmlformats.org/markup-compatibility/2006" xmlns:p14="http://schemas.microsoft.com/office/powerpoint/2010/main">
+    <mc:Choice Requires="p14">
+      <p:transition spd="med" p14:dur="700">
+        <p:fade/>
+      </p:transition>
+    </mc:Choice>
+    <mc:Fallback xmlns="">
+      <p:transition spd="med">
+        <p:fade/>
+      </p:transition>
+    </mc:Fallback>
+  </mc:AlternateContent>
+</p:sld>
+</file>
+
+<file path=ppt/slides/slide9.xml><?xml version="1.0" encoding="utf-8"?>
+<p:sld xmlns:a="http://schemas.openxmlformats.org/drawingml/2006/main" xmlns:r="http://schemas.openxmlformats.org/officeDocument/2006/relationships" xmlns:p="http://schemas.openxmlformats.org/presentationml/2006/main">
+  <p:cSld>
+    <p:spTree>
+      <p:nvGrpSpPr>
+        <p:cNvPr id="1" name=""/>
+        <p:cNvGrpSpPr/>
+        <p:nvPr/>
+      </p:nvGrpSpPr>
+      <p:grpSpPr>
+        <a:xfrm>
+          <a:off x="0" y="0"/>
+          <a:ext cx="0" cy="0"/>
+          <a:chOff x="0" y="0"/>
+          <a:chExt cx="0" cy="0"/>
+        </a:xfrm>
+      </p:grpSpPr>
+      <p:sp>
+        <p:nvSpPr>
+          <p:cNvPr id="2" name="제목 1">
+            <a:extLst>
+              <a:ext uri="{FF2B5EF4-FFF2-40B4-BE49-F238E27FC236}">
+                <a16:creationId xmlns:a16="http://schemas.microsoft.com/office/drawing/2014/main" id="{65B67842-3094-460C-9497-225A0A259AAC}"/>
+              </a:ext>
+            </a:extLst>
+          </p:cNvPr>
+          <p:cNvSpPr>
+            <a:spLocks noGrp="1"/>
+          </p:cNvSpPr>
+          <p:nvPr>
+            <p:ph type="title"/>
+          </p:nvPr>
+        </p:nvSpPr>
+        <p:spPr/>
+        <p:txBody>
+          <a:bodyPr/>
+          <a:lstStyle/>
+          <a:p>
+            <a:r>
+              <a:rPr lang="ko-KR" altLang="en-US"/>
+              <a:t>보안취약점</a:t>
+            </a:r>
+            <a:r>
+              <a:rPr lang="en-US" altLang="ko-KR"/>
+              <a:t>, </a:t>
+            </a:r>
+            <a:r>
+              <a:rPr lang="ko-KR" altLang="en-US"/>
+              <a:t>개인정보보관 문제 해결</a:t>
+            </a:r>
+            <a:br>
+              <a:rPr lang="ko-KR" altLang="en-US"/>
+            </a:br>
+            <a:endParaRPr lang="ko-KR" altLang="en-US"/>
+          </a:p>
+        </p:txBody>
+      </p:sp>
+      <p:sp>
+        <p:nvSpPr>
+          <p:cNvPr id="8" name="내용 개체 틀 7">
+            <a:extLst>
+              <a:ext uri="{FF2B5EF4-FFF2-40B4-BE49-F238E27FC236}">
+                <a16:creationId xmlns:a16="http://schemas.microsoft.com/office/drawing/2014/main" id="{2DE5A70B-81CE-4FCC-9C9C-36B72AF2F570}"/>
+              </a:ext>
+            </a:extLst>
+          </p:cNvPr>
+          <p:cNvSpPr>
+            <a:spLocks noGrp="1"/>
+          </p:cNvSpPr>
+          <p:nvPr>
+            <p:ph idx="1"/>
+          </p:nvPr>
+        </p:nvSpPr>
+        <p:spPr/>
+        <p:txBody>
+          <a:bodyPr>
+            <a:normAutofit/>
+          </a:bodyPr>
+          <a:lstStyle/>
+          <a:p>
+            <a:r>
+              <a:rPr lang="en-US" altLang="ko-KR"/>
+              <a:t>MasterControllerMultipart.java</a:t>
+            </a:r>
+          </a:p>
+          <a:p>
+            <a:pPr lvl="1"/>
+            <a:r>
+              <a:rPr lang="en-US" altLang="ko-KR"/>
+              <a:t>createFileId()</a:t>
+            </a:r>
+          </a:p>
+          <a:p>
+            <a:pPr lvl="1"/>
+            <a:r>
+              <a:rPr lang="ko-KR" altLang="en-US"/>
+              <a:t>사용자가 알 수 없는 파일이름으로 저장</a:t>
+            </a:r>
+            <a:endParaRPr lang="en-US" altLang="ko-KR"/>
+          </a:p>
+          <a:p>
+            <a:pPr lvl="2"/>
+            <a:r>
+              <a:rPr lang="ko-KR" altLang="en-US"/>
+              <a:t>유일한 값</a:t>
+            </a:r>
+            <a:endParaRPr lang="en-US" altLang="ko-KR"/>
+          </a:p>
+          <a:p>
+            <a:pPr lvl="1"/>
+            <a:r>
+              <a:rPr lang="ko-KR" altLang="en-US"/>
+              <a:t>확장자 제거</a:t>
+            </a:r>
+            <a:endParaRPr lang="en-US" altLang="ko-KR"/>
+          </a:p>
+          <a:p>
+            <a:pPr lvl="2"/>
+            <a:r>
+              <a:rPr lang="ko-KR" altLang="en-US"/>
+              <a:t>웹쇌 공격 방어</a:t>
+            </a:r>
+          </a:p>
+        </p:txBody>
+      </p:sp>
       <p:pic>
         <p:nvPicPr>
-          <p:cNvPr id="11" name="그림 10">
+          <p:cNvPr id="6" name="그림 5">
             <a:extLst>
               <a:ext uri="{FF2B5EF4-FFF2-40B4-BE49-F238E27FC236}">
-                <a16:creationId xmlns:a16="http://schemas.microsoft.com/office/drawing/2014/main" id="{107D8C95-16C3-4966-80C3-BEFD92F6E0D2}"/>
+                <a16:creationId xmlns:a16="http://schemas.microsoft.com/office/drawing/2014/main" id="{263B04AF-88CF-42E0-9CD3-5A499B1664BE}"/>
               </a:ext>
             </a:extLst>
           </p:cNvPr>
@@ -16788,45 +17573,15 @@
           <p:nvPr/>
         </p:nvPicPr>
         <p:blipFill>
-          <a:blip r:embed="rId4"/>
+          <a:blip r:embed="rId2"/>
           <a:stretch>
             <a:fillRect/>
           </a:stretch>
         </p:blipFill>
         <p:spPr>
           <a:xfrm>
-            <a:off x="6536308" y="4664876"/>
-            <a:ext cx="3448531" cy="800212"/>
-          </a:xfrm>
-          <a:prstGeom prst="rect">
-            <a:avLst/>
-          </a:prstGeom>
-        </p:spPr>
-      </p:pic>
-      <p:pic>
-        <p:nvPicPr>
-          <p:cNvPr id="13" name="그림 12">
-            <a:extLst>
-              <a:ext uri="{FF2B5EF4-FFF2-40B4-BE49-F238E27FC236}">
-                <a16:creationId xmlns:a16="http://schemas.microsoft.com/office/drawing/2014/main" id="{398F9D75-3A36-4E03-9496-8A390F02F2E0}"/>
-              </a:ext>
-            </a:extLst>
-          </p:cNvPr>
-          <p:cNvPicPr>
-            <a:picLocks noChangeAspect="1"/>
-          </p:cNvPicPr>
-          <p:nvPr/>
-        </p:nvPicPr>
-        <p:blipFill>
-          <a:blip r:embed="rId5"/>
-          <a:stretch>
-            <a:fillRect/>
-          </a:stretch>
-        </p:blipFill>
-        <p:spPr>
-          <a:xfrm>
-            <a:off x="6536308" y="2068386"/>
-            <a:ext cx="3277057" cy="1343212"/>
+            <a:off x="7328301" y="1981201"/>
+            <a:ext cx="3568299" cy="2405495"/>
           </a:xfrm>
           <a:prstGeom prst="rect">
             <a:avLst/>
@@ -16836,7 +17591,7 @@
     </p:spTree>
     <p:extLst>
       <p:ext uri="{BB962C8B-B14F-4D97-AF65-F5344CB8AC3E}">
-        <p14:creationId xmlns:p14="http://schemas.microsoft.com/office/powerpoint/2010/main" val="272408827"/>
+        <p14:creationId xmlns:p14="http://schemas.microsoft.com/office/powerpoint/2010/main" val="2387048187"/>
       </p:ext>
     </p:extLst>
   </p:cSld>
